--- a/Doc/Prezentace-optimalizace.pptx
+++ b/Doc/Prezentace-optimalizace.pptx
@@ -3077,16 +3077,6 @@
               </a:rPr>
               <a:t>Optimalizace</a:t>
             </a:r>
-            <a:endParaRPr lang="cs-CZ" sz="2400" dirty="0" smtClean="0">
-              <a:solidFill>
-                <a:schemeClr val="tx1">
-                  <a:lumMod val="75000"/>
-                  <a:lumOff val="25000"/>
-                </a:schemeClr>
-              </a:solidFill>
-              <a:latin typeface="Segoe UI" panose="020B0502040204020203" pitchFamily="34" charset="0"/>
-              <a:cs typeface="Segoe UI" panose="020B0502040204020203" pitchFamily="34" charset="0"/>
-            </a:endParaRPr>
           </a:p>
           <a:p>
             <a:pPr algn="ctr">
@@ -3642,10 +3632,6 @@
               </a:rPr>
               <a:t> (odstranění článku + obrázků)</a:t>
             </a:r>
-            <a:endParaRPr lang="cs-CZ" sz="2400" dirty="0" smtClean="0">
-              <a:latin typeface="Segoe UI" panose="020B0502040204020203" pitchFamily="34" charset="0"/>
-              <a:cs typeface="Segoe UI" panose="020B0502040204020203" pitchFamily="34" charset="0"/>
-            </a:endParaRPr>
           </a:p>
         </p:txBody>
       </p:sp>
@@ -4241,10 +4227,6 @@
               </a:rPr>
               <a:t>EF nemusí pořád dokonal sestavovat model</a:t>
             </a:r>
-            <a:endParaRPr lang="cs-CZ" sz="2400" dirty="0" smtClean="0">
-              <a:latin typeface="Segoe UI" panose="020B0502040204020203" pitchFamily="34" charset="0"/>
-              <a:cs typeface="Segoe UI" panose="020B0502040204020203" pitchFamily="34" charset="0"/>
-            </a:endParaRPr>
           </a:p>
           <a:p>
             <a:pPr marL="342900" indent="-342900">
@@ -4286,47 +4268,36 @@
                 <a:latin typeface="Segoe UI" panose="020B0502040204020203" pitchFamily="34" charset="0"/>
                 <a:cs typeface="Segoe UI" panose="020B0502040204020203" pitchFamily="34" charset="0"/>
               </a:rPr>
-              <a:t>(</a:t>
+              <a:t>(Windsor </a:t>
+            </a:r>
+            <a:r>
+              <a:rPr lang="cs-CZ" sz="2400" dirty="0" err="1" smtClean="0">
+                <a:latin typeface="Segoe UI" panose="020B0502040204020203" pitchFamily="34" charset="0"/>
+                <a:cs typeface="Segoe UI" panose="020B0502040204020203" pitchFamily="34" charset="0"/>
+              </a:rPr>
+              <a:t>Castle</a:t>
             </a:r>
             <a:r>
               <a:rPr lang="cs-CZ" sz="2400" dirty="0" smtClean="0">
                 <a:latin typeface="Segoe UI" panose="020B0502040204020203" pitchFamily="34" charset="0"/>
                 <a:cs typeface="Segoe UI" panose="020B0502040204020203" pitchFamily="34" charset="0"/>
               </a:rPr>
-              <a:t>Windsor </a:t>
+              <a:t>, </a:t>
             </a:r>
             <a:r>
               <a:rPr lang="cs-CZ" sz="2400" dirty="0" err="1" smtClean="0">
                 <a:latin typeface="Segoe UI" panose="020B0502040204020203" pitchFamily="34" charset="0"/>
                 <a:cs typeface="Segoe UI" panose="020B0502040204020203" pitchFamily="34" charset="0"/>
               </a:rPr>
-              <a:t>Castle</a:t>
+              <a:t>Ninject</a:t>
             </a:r>
             <a:r>
               <a:rPr lang="cs-CZ" sz="2400" dirty="0" smtClean="0">
                 <a:latin typeface="Segoe UI" panose="020B0502040204020203" pitchFamily="34" charset="0"/>
                 <a:cs typeface="Segoe UI" panose="020B0502040204020203" pitchFamily="34" charset="0"/>
               </a:rPr>
-              <a:t>, </a:t>
-            </a:r>
-            <a:r>
-              <a:rPr lang="cs-CZ" sz="2400" dirty="0" err="1" smtClean="0">
-                <a:latin typeface="Segoe UI" panose="020B0502040204020203" pitchFamily="34" charset="0"/>
-                <a:cs typeface="Segoe UI" panose="020B0502040204020203" pitchFamily="34" charset="0"/>
-              </a:rPr>
-              <a:t>Ninject</a:t>
-            </a:r>
-            <a:r>
-              <a:rPr lang="cs-CZ" sz="2400" dirty="0" smtClean="0">
-                <a:latin typeface="Segoe UI" panose="020B0502040204020203" pitchFamily="34" charset="0"/>
-                <a:cs typeface="Segoe UI" panose="020B0502040204020203" pitchFamily="34" charset="0"/>
-              </a:rPr>
               <a:t>..)</a:t>
             </a:r>
-            <a:endParaRPr lang="cs-CZ" sz="2400" dirty="0" smtClean="0">
-              <a:latin typeface="Segoe UI" panose="020B0502040204020203" pitchFamily="34" charset="0"/>
-              <a:cs typeface="Segoe UI" panose="020B0502040204020203" pitchFamily="34" charset="0"/>
-            </a:endParaRPr>
           </a:p>
         </p:txBody>
       </p:sp>
@@ -6792,10 +6763,6 @@
               </a:rPr>
               <a:t>(entita může být ve více modelech)</a:t>
             </a:r>
-            <a:endParaRPr lang="cs-CZ" sz="2400" dirty="0" smtClean="0">
-              <a:latin typeface="Segoe UI" panose="020B0502040204020203" pitchFamily="34" charset="0"/>
-              <a:cs typeface="Segoe UI" panose="020B0502040204020203" pitchFamily="34" charset="0"/>
-            </a:endParaRPr>
           </a:p>
         </p:txBody>
       </p:sp>
@@ -7117,10 +7084,6 @@
               </a:rPr>
               <a:t>Tvorba indexů v EF</a:t>
             </a:r>
-            <a:endParaRPr lang="cs-CZ" sz="2400" dirty="0" smtClean="0">
-              <a:latin typeface="Segoe UI" panose="020B0502040204020203" pitchFamily="34" charset="0"/>
-              <a:cs typeface="Segoe UI" panose="020B0502040204020203" pitchFamily="34" charset="0"/>
-            </a:endParaRPr>
           </a:p>
         </p:txBody>
       </p:sp>
@@ -7202,8 +7165,8 @@
         </p:nvSpPr>
         <p:spPr>
           <a:xfrm>
-            <a:off x="623455" y="3293543"/>
-            <a:ext cx="7572894" cy="3293209"/>
+            <a:off x="631768" y="3235353"/>
+            <a:ext cx="7572894" cy="3447098"/>
           </a:xfrm>
           <a:prstGeom prst="rect">
             <a:avLst/>
@@ -7225,7 +7188,7 @@
               <a:rPr lang="cs-CZ" sz="1000" dirty="0">
                 <a:latin typeface="Consolas" panose="020B0609020204030204" pitchFamily="49" charset="0"/>
               </a:rPr>
-              <a:t>TOP 10 SUBSTRING(</a:t>
+              <a:t>TOP 20 SUBSTRING(</a:t>
             </a:r>
             <a:r>
               <a:rPr lang="cs-CZ" sz="1000" dirty="0" err="1">
@@ -7257,7 +7220,7 @@
               <a:rPr lang="cs-CZ" sz="1000" dirty="0">
                 <a:latin typeface="Consolas" panose="020B0609020204030204" pitchFamily="49" charset="0"/>
               </a:rPr>
-              <a:t>((CASE </a:t>
+              <a:t>    ((CASE </a:t>
             </a:r>
             <a:r>
               <a:rPr lang="cs-CZ" sz="1000" dirty="0" err="1">
@@ -7274,7 +7237,7 @@
               <a:rPr lang="cs-CZ" sz="1000" dirty="0">
                 <a:latin typeface="Consolas" panose="020B0609020204030204" pitchFamily="49" charset="0"/>
               </a:rPr>
-              <a:t>WHEN -1 THEN DATALENGTH(</a:t>
+              <a:t>        WHEN -1 THEN DATALENGTH(</a:t>
             </a:r>
             <a:r>
               <a:rPr lang="cs-CZ" sz="1000" dirty="0" err="1">
@@ -7294,7 +7257,7 @@
               <a:rPr lang="cs-CZ" sz="1000" dirty="0">
                 <a:latin typeface="Consolas" panose="020B0609020204030204" pitchFamily="49" charset="0"/>
               </a:rPr>
-              <a:t>ELSE </a:t>
+              <a:t>        ELSE </a:t>
             </a:r>
             <a:r>
               <a:rPr lang="cs-CZ" sz="1000" dirty="0" err="1">
@@ -7311,7 +7274,7 @@
               <a:rPr lang="cs-CZ" sz="1000" dirty="0">
                 <a:latin typeface="Consolas" panose="020B0609020204030204" pitchFamily="49" charset="0"/>
               </a:rPr>
-              <a:t>END - </a:t>
+              <a:t>        END - </a:t>
             </a:r>
             <a:r>
               <a:rPr lang="cs-CZ" sz="1000" dirty="0" err="1">
@@ -7328,9 +7291,79 @@
           </a:p>
           <a:p>
             <a:r>
+              <a:rPr lang="cs-CZ" sz="1000" dirty="0">
+                <a:latin typeface="Consolas" panose="020B0609020204030204" pitchFamily="49" charset="0"/>
+              </a:rPr>
+              <a:t>    </a:t>
+            </a:r>
+            <a:r>
               <a:rPr lang="cs-CZ" sz="1000" dirty="0" err="1">
                 <a:latin typeface="Consolas" panose="020B0609020204030204" pitchFamily="49" charset="0"/>
               </a:rPr>
+              <a:t>qs.last_elapsed_time</a:t>
+            </a:r>
+            <a:r>
+              <a:rPr lang="cs-CZ" sz="1000" dirty="0">
+                <a:latin typeface="Consolas" panose="020B0609020204030204" pitchFamily="49" charset="0"/>
+              </a:rPr>
+              <a:t>/1000 </a:t>
+            </a:r>
+            <a:r>
+              <a:rPr lang="cs-CZ" sz="1000" dirty="0" err="1">
+                <a:latin typeface="Consolas" panose="020B0609020204030204" pitchFamily="49" charset="0"/>
+              </a:rPr>
+              <a:t>last_elapsed_time_ms</a:t>
+            </a:r>
+            <a:r>
+              <a:rPr lang="cs-CZ" sz="1000" dirty="0">
+                <a:latin typeface="Consolas" panose="020B0609020204030204" pitchFamily="49" charset="0"/>
+              </a:rPr>
+              <a:t>,</a:t>
+            </a:r>
+          </a:p>
+          <a:p>
+            <a:r>
+              <a:rPr lang="cs-CZ" sz="1000" dirty="0">
+                <a:latin typeface="Consolas" panose="020B0609020204030204" pitchFamily="49" charset="0"/>
+              </a:rPr>
+              <a:t>    </a:t>
+            </a:r>
+            <a:r>
+              <a:rPr lang="cs-CZ" sz="1000" dirty="0" err="1">
+                <a:latin typeface="Consolas" panose="020B0609020204030204" pitchFamily="49" charset="0"/>
+              </a:rPr>
+              <a:t>qs.last_worker_time</a:t>
+            </a:r>
+            <a:r>
+              <a:rPr lang="cs-CZ" sz="1000" dirty="0">
+                <a:latin typeface="Consolas" panose="020B0609020204030204" pitchFamily="49" charset="0"/>
+              </a:rPr>
+              <a:t>/1000 </a:t>
+            </a:r>
+            <a:r>
+              <a:rPr lang="cs-CZ" sz="1000" dirty="0" err="1">
+                <a:latin typeface="Consolas" panose="020B0609020204030204" pitchFamily="49" charset="0"/>
+              </a:rPr>
+              <a:t>last_worker_time_ms</a:t>
+            </a:r>
+            <a:r>
+              <a:rPr lang="cs-CZ" sz="1000" dirty="0">
+                <a:latin typeface="Consolas" panose="020B0609020204030204" pitchFamily="49" charset="0"/>
+              </a:rPr>
+              <a:t>,</a:t>
+            </a:r>
+          </a:p>
+          <a:p>
+            <a:r>
+              <a:rPr lang="cs-CZ" sz="1000" dirty="0">
+                <a:latin typeface="Consolas" panose="020B0609020204030204" pitchFamily="49" charset="0"/>
+              </a:rPr>
+              <a:t>    </a:t>
+            </a:r>
+            <a:r>
+              <a:rPr lang="cs-CZ" sz="1000" dirty="0" err="1">
+                <a:latin typeface="Consolas" panose="020B0609020204030204" pitchFamily="49" charset="0"/>
+              </a:rPr>
               <a:t>qs.execution_count</a:t>
             </a:r>
             <a:r>
@@ -7342,9 +7375,99 @@
           </a:p>
           <a:p>
             <a:r>
+              <a:rPr lang="cs-CZ" sz="1000" dirty="0">
+                <a:latin typeface="Consolas" panose="020B0609020204030204" pitchFamily="49" charset="0"/>
+              </a:rPr>
+              <a:t>    </a:t>
+            </a:r>
+            <a:r>
               <a:rPr lang="cs-CZ" sz="1000" dirty="0" err="1">
                 <a:latin typeface="Consolas" panose="020B0609020204030204" pitchFamily="49" charset="0"/>
               </a:rPr>
+              <a:t>qs.total_elapsed_time</a:t>
+            </a:r>
+            <a:r>
+              <a:rPr lang="cs-CZ" sz="1000" dirty="0">
+                <a:latin typeface="Consolas" panose="020B0609020204030204" pitchFamily="49" charset="0"/>
+              </a:rPr>
+              <a:t>/1000 </a:t>
+            </a:r>
+            <a:r>
+              <a:rPr lang="cs-CZ" sz="1000" dirty="0" err="1">
+                <a:latin typeface="Consolas" panose="020B0609020204030204" pitchFamily="49" charset="0"/>
+              </a:rPr>
+              <a:t>total_elapsed_time_ms</a:t>
+            </a:r>
+            <a:r>
+              <a:rPr lang="cs-CZ" sz="1000" dirty="0">
+                <a:latin typeface="Consolas" panose="020B0609020204030204" pitchFamily="49" charset="0"/>
+              </a:rPr>
+              <a:t>,</a:t>
+            </a:r>
+          </a:p>
+          <a:p>
+            <a:r>
+              <a:rPr lang="cs-CZ" sz="1000" dirty="0">
+                <a:latin typeface="Consolas" panose="020B0609020204030204" pitchFamily="49" charset="0"/>
+              </a:rPr>
+              <a:t>    </a:t>
+            </a:r>
+            <a:r>
+              <a:rPr lang="cs-CZ" sz="1000" dirty="0" err="1">
+                <a:latin typeface="Consolas" panose="020B0609020204030204" pitchFamily="49" charset="0"/>
+              </a:rPr>
+              <a:t>qs.total_worker_time</a:t>
+            </a:r>
+            <a:r>
+              <a:rPr lang="cs-CZ" sz="1000" dirty="0">
+                <a:latin typeface="Consolas" panose="020B0609020204030204" pitchFamily="49" charset="0"/>
+              </a:rPr>
+              <a:t>/1000 </a:t>
+            </a:r>
+            <a:r>
+              <a:rPr lang="cs-CZ" sz="1000" dirty="0" err="1">
+                <a:latin typeface="Consolas" panose="020B0609020204030204" pitchFamily="49" charset="0"/>
+              </a:rPr>
+              <a:t>total_worker_time_ms</a:t>
+            </a:r>
+            <a:r>
+              <a:rPr lang="cs-CZ" sz="1000" dirty="0">
+                <a:latin typeface="Consolas" panose="020B0609020204030204" pitchFamily="49" charset="0"/>
+              </a:rPr>
+              <a:t>,</a:t>
+            </a:r>
+          </a:p>
+          <a:p>
+            <a:r>
+              <a:rPr lang="cs-CZ" sz="1000" dirty="0">
+                <a:latin typeface="Consolas" panose="020B0609020204030204" pitchFamily="49" charset="0"/>
+              </a:rPr>
+              <a:t>    </a:t>
+            </a:r>
+            <a:r>
+              <a:rPr lang="cs-CZ" sz="1000" dirty="0" err="1">
+                <a:latin typeface="Consolas" panose="020B0609020204030204" pitchFamily="49" charset="0"/>
+              </a:rPr>
+              <a:t>qs.last_execution_time</a:t>
+            </a:r>
+            <a:r>
+              <a:rPr lang="cs-CZ" sz="1000" dirty="0">
+                <a:latin typeface="Consolas" panose="020B0609020204030204" pitchFamily="49" charset="0"/>
+              </a:rPr>
+              <a:t>,</a:t>
+            </a:r>
+          </a:p>
+          <a:p>
+            <a:r>
+              <a:rPr lang="cs-CZ" sz="1000" dirty="0">
+                <a:latin typeface="Consolas" panose="020B0609020204030204" pitchFamily="49" charset="0"/>
+              </a:rPr>
+              <a:t>    </a:t>
+            </a:r>
+            <a:r>
+              <a:rPr lang="cs-CZ" sz="1000" dirty="0" err="1">
+                <a:latin typeface="Consolas" panose="020B0609020204030204" pitchFamily="49" charset="0"/>
+              </a:rPr>
               <a:t>qs.total_logical_reads</a:t>
             </a:r>
             <a:r>
@@ -7368,6 +7491,12 @@
           </a:p>
           <a:p>
             <a:r>
+              <a:rPr lang="cs-CZ" sz="1000" dirty="0">
+                <a:latin typeface="Consolas" panose="020B0609020204030204" pitchFamily="49" charset="0"/>
+              </a:rPr>
+              <a:t>    </a:t>
+            </a:r>
+            <a:r>
               <a:rPr lang="cs-CZ" sz="1000" dirty="0" err="1">
                 <a:latin typeface="Consolas" panose="020B0609020204030204" pitchFamily="49" charset="0"/>
               </a:rPr>
@@ -7384,114 +7513,6 @@
                 <a:latin typeface="Consolas" panose="020B0609020204030204" pitchFamily="49" charset="0"/>
               </a:rPr>
               <a:t>qs.last_logical_writes</a:t>
-            </a:r>
-            <a:r>
-              <a:rPr lang="cs-CZ" sz="1000" dirty="0">
-                <a:latin typeface="Consolas" panose="020B0609020204030204" pitchFamily="49" charset="0"/>
-              </a:rPr>
-              <a:t>,</a:t>
-            </a:r>
-          </a:p>
-          <a:p>
-            <a:r>
-              <a:rPr lang="cs-CZ" sz="1000" dirty="0" err="1">
-                <a:latin typeface="Consolas" panose="020B0609020204030204" pitchFamily="49" charset="0"/>
-              </a:rPr>
-              <a:t>qs.total_worker_time</a:t>
-            </a:r>
-            <a:r>
-              <a:rPr lang="cs-CZ" sz="1000" dirty="0">
-                <a:latin typeface="Consolas" panose="020B0609020204030204" pitchFamily="49" charset="0"/>
-              </a:rPr>
-              <a:t>,</a:t>
-            </a:r>
-          </a:p>
-          <a:p>
-            <a:r>
-              <a:rPr lang="cs-CZ" sz="1000" dirty="0" err="1">
-                <a:latin typeface="Consolas" panose="020B0609020204030204" pitchFamily="49" charset="0"/>
-              </a:rPr>
-              <a:t>qs.last_worker_time</a:t>
-            </a:r>
-            <a:r>
-              <a:rPr lang="cs-CZ" sz="1000" dirty="0">
-                <a:latin typeface="Consolas" panose="020B0609020204030204" pitchFamily="49" charset="0"/>
-              </a:rPr>
-              <a:t>,</a:t>
-            </a:r>
-          </a:p>
-          <a:p>
-            <a:r>
-              <a:rPr lang="cs-CZ" sz="1000" dirty="0" err="1">
-                <a:latin typeface="Consolas" panose="020B0609020204030204" pitchFamily="49" charset="0"/>
-              </a:rPr>
-              <a:t>qs.total_elapsed_time</a:t>
-            </a:r>
-            <a:r>
-              <a:rPr lang="cs-CZ" sz="1000" dirty="0">
-                <a:latin typeface="Consolas" panose="020B0609020204030204" pitchFamily="49" charset="0"/>
-              </a:rPr>
-              <a:t>/1000000 </a:t>
-            </a:r>
-            <a:r>
-              <a:rPr lang="cs-CZ" sz="1000" dirty="0" err="1">
-                <a:latin typeface="Consolas" panose="020B0609020204030204" pitchFamily="49" charset="0"/>
-              </a:rPr>
-              <a:t>total_elapsed_time_in_S</a:t>
-            </a:r>
-            <a:r>
-              <a:rPr lang="cs-CZ" sz="1000" dirty="0">
-                <a:latin typeface="Consolas" panose="020B0609020204030204" pitchFamily="49" charset="0"/>
-              </a:rPr>
-              <a:t>,</a:t>
-            </a:r>
-          </a:p>
-          <a:p>
-            <a:r>
-              <a:rPr lang="cs-CZ" sz="1000" dirty="0" err="1">
-                <a:latin typeface="Consolas" panose="020B0609020204030204" pitchFamily="49" charset="0"/>
-              </a:rPr>
-              <a:t>qs.last_elapsed_time</a:t>
-            </a:r>
-            <a:r>
-              <a:rPr lang="cs-CZ" sz="1000" dirty="0">
-                <a:latin typeface="Consolas" panose="020B0609020204030204" pitchFamily="49" charset="0"/>
-              </a:rPr>
-              <a:t>/1000000 </a:t>
-            </a:r>
-            <a:r>
-              <a:rPr lang="cs-CZ" sz="1000" dirty="0" err="1">
-                <a:latin typeface="Consolas" panose="020B0609020204030204" pitchFamily="49" charset="0"/>
-              </a:rPr>
-              <a:t>last_elapsed_time_in_S</a:t>
-            </a:r>
-            <a:r>
-              <a:rPr lang="cs-CZ" sz="1000" dirty="0">
-                <a:latin typeface="Consolas" panose="020B0609020204030204" pitchFamily="49" charset="0"/>
-              </a:rPr>
-              <a:t>,</a:t>
-            </a:r>
-          </a:p>
-          <a:p>
-            <a:r>
-              <a:rPr lang="cs-CZ" sz="1000" dirty="0" err="1">
-                <a:latin typeface="Consolas" panose="020B0609020204030204" pitchFamily="49" charset="0"/>
-              </a:rPr>
-              <a:t>qs.last_execution_time</a:t>
-            </a:r>
-            <a:r>
-              <a:rPr lang="cs-CZ" sz="1000" dirty="0">
-                <a:latin typeface="Consolas" panose="020B0609020204030204" pitchFamily="49" charset="0"/>
-              </a:rPr>
-              <a:t>,</a:t>
-            </a:r>
-          </a:p>
-          <a:p>
-            <a:r>
-              <a:rPr lang="cs-CZ" sz="1000" dirty="0" err="1">
-                <a:latin typeface="Consolas" panose="020B0609020204030204" pitchFamily="49" charset="0"/>
-              </a:rPr>
-              <a:t>qp.query_plan</a:t>
             </a:r>
             <a:endParaRPr lang="cs-CZ" sz="1000" dirty="0">
               <a:latin typeface="Consolas" panose="020B0609020204030204" pitchFamily="49" charset="0"/>
@@ -7499,7 +7520,13 @@
           </a:p>
           <a:p>
             <a:r>
-              <a:rPr lang="cs-CZ" dirty="0">
+              <a:rPr lang="cs-CZ" sz="1000" dirty="0" smtClean="0">
+                <a:latin typeface="Consolas" panose="020B0609020204030204" pitchFamily="49" charset="0"/>
+              </a:rPr>
+              <a:t>    </a:t>
+            </a:r>
+            <a:r>
+              <a:rPr lang="cs-CZ" dirty="0" smtClean="0">
                 <a:latin typeface="Consolas" panose="020B0609020204030204" pitchFamily="49" charset="0"/>
               </a:rPr>
               <a:t>FROM </a:t>
@@ -7531,7 +7558,7 @@
               <a:rPr lang="cs-CZ" sz="1000" dirty="0">
                 <a:latin typeface="Consolas" panose="020B0609020204030204" pitchFamily="49" charset="0"/>
               </a:rPr>
-              <a:t>CROSS APPLY </a:t>
+              <a:t>        CROSS APPLY </a:t>
             </a:r>
             <a:r>
               <a:rPr lang="cs-CZ" sz="1000" dirty="0" err="1">
@@ -7572,7 +7599,7 @@
               <a:rPr lang="cs-CZ" sz="1000" dirty="0">
                 <a:latin typeface="Consolas" panose="020B0609020204030204" pitchFamily="49" charset="0"/>
               </a:rPr>
-              <a:t>CROSS APPLY </a:t>
+              <a:t>        CROSS APPLY </a:t>
             </a:r>
             <a:r>
               <a:rPr lang="cs-CZ" sz="1000" dirty="0" err="1">
@@ -7613,25 +7640,177 @@
               <a:rPr lang="cs-CZ" sz="1000" dirty="0">
                 <a:latin typeface="Consolas" panose="020B0609020204030204" pitchFamily="49" charset="0"/>
               </a:rPr>
-              <a:t>ORDER BY </a:t>
+              <a:t>    WHERE </a:t>
             </a:r>
             <a:r>
               <a:rPr lang="cs-CZ" sz="1000" dirty="0" err="1">
                 <a:latin typeface="Consolas" panose="020B0609020204030204" pitchFamily="49" charset="0"/>
               </a:rPr>
+              <a:t>qt.dbid</a:t>
+            </a:r>
+            <a:r>
+              <a:rPr lang="cs-CZ" sz="1000" dirty="0">
+                <a:latin typeface="Consolas" panose="020B0609020204030204" pitchFamily="49" charset="0"/>
+              </a:rPr>
+              <a:t> = (SELECT </a:t>
+            </a:r>
+            <a:r>
+              <a:rPr lang="cs-CZ" sz="1000" dirty="0" err="1">
+                <a:latin typeface="Consolas" panose="020B0609020204030204" pitchFamily="49" charset="0"/>
+              </a:rPr>
+              <a:t>database_id</a:t>
+            </a:r>
+            <a:r>
+              <a:rPr lang="cs-CZ" sz="1000" dirty="0">
+                <a:latin typeface="Consolas" panose="020B0609020204030204" pitchFamily="49" charset="0"/>
+              </a:rPr>
+              <a:t> FROM </a:t>
+            </a:r>
+            <a:r>
+              <a:rPr lang="cs-CZ" sz="1000" dirty="0" err="1">
+                <a:latin typeface="Consolas" panose="020B0609020204030204" pitchFamily="49" charset="0"/>
+              </a:rPr>
+              <a:t>sys.databases</a:t>
+            </a:r>
+            <a:r>
+              <a:rPr lang="cs-CZ" sz="1000" dirty="0">
+                <a:latin typeface="Consolas" panose="020B0609020204030204" pitchFamily="49" charset="0"/>
+              </a:rPr>
+              <a:t> WHERE </a:t>
+            </a:r>
+            <a:r>
+              <a:rPr lang="cs-CZ" sz="1000" dirty="0" err="1">
+                <a:latin typeface="Consolas" panose="020B0609020204030204" pitchFamily="49" charset="0"/>
+              </a:rPr>
+              <a:t>name</a:t>
+            </a:r>
+            <a:r>
+              <a:rPr lang="cs-CZ" sz="1000" dirty="0">
+                <a:latin typeface="Consolas" panose="020B0609020204030204" pitchFamily="49" charset="0"/>
+              </a:rPr>
+              <a:t>='</a:t>
+            </a:r>
+            <a:r>
+              <a:rPr lang="cs-CZ" sz="1000" dirty="0" err="1">
+                <a:latin typeface="Consolas" panose="020B0609020204030204" pitchFamily="49" charset="0"/>
+              </a:rPr>
+              <a:t>DatabaseName</a:t>
+            </a:r>
+            <a:r>
+              <a:rPr lang="cs-CZ" sz="1000" dirty="0">
+                <a:latin typeface="Consolas" panose="020B0609020204030204" pitchFamily="49" charset="0"/>
+              </a:rPr>
+              <a:t>')</a:t>
+            </a:r>
+          </a:p>
+          <a:p>
+            <a:r>
+              <a:rPr lang="cs-CZ" sz="1000" dirty="0">
+                <a:latin typeface="Consolas" panose="020B0609020204030204" pitchFamily="49" charset="0"/>
+              </a:rPr>
+              <a:t>    -- ORDER BY </a:t>
+            </a:r>
+            <a:r>
+              <a:rPr lang="cs-CZ" sz="1000" dirty="0" err="1">
+                <a:latin typeface="Consolas" panose="020B0609020204030204" pitchFamily="49" charset="0"/>
+              </a:rPr>
               <a:t>qs.total_logical_reads</a:t>
             </a:r>
             <a:r>
               <a:rPr lang="cs-CZ" sz="1000" dirty="0">
                 <a:latin typeface="Consolas" panose="020B0609020204030204" pitchFamily="49" charset="0"/>
               </a:rPr>
+              <a:t> DESC</a:t>
+            </a:r>
+          </a:p>
+          <a:p>
+            <a:r>
+              <a:rPr lang="cs-CZ" sz="1000" dirty="0">
+                <a:latin typeface="Consolas" panose="020B0609020204030204" pitchFamily="49" charset="0"/>
+              </a:rPr>
+              <a:t>    -- ORDER BY </a:t>
+            </a:r>
+            <a:r>
+              <a:rPr lang="cs-CZ" sz="1000" dirty="0" err="1">
+                <a:latin typeface="Consolas" panose="020B0609020204030204" pitchFamily="49" charset="0"/>
+              </a:rPr>
+              <a:t>qs.total_logical_writes</a:t>
+            </a:r>
+            <a:r>
+              <a:rPr lang="cs-CZ" sz="1000" dirty="0">
+                <a:latin typeface="Consolas" panose="020B0609020204030204" pitchFamily="49" charset="0"/>
+              </a:rPr>
+              <a:t> DESC</a:t>
+            </a:r>
+          </a:p>
+          <a:p>
+            <a:r>
+              <a:rPr lang="cs-CZ" sz="1000" dirty="0">
+                <a:latin typeface="Consolas" panose="020B0609020204030204" pitchFamily="49" charset="0"/>
+              </a:rPr>
+              <a:t>    -- ORDER BY </a:t>
+            </a:r>
+            <a:r>
+              <a:rPr lang="cs-CZ" sz="1000" dirty="0" err="1">
+                <a:latin typeface="Consolas" panose="020B0609020204030204" pitchFamily="49" charset="0"/>
+              </a:rPr>
+              <a:t>qs.last_worker_time</a:t>
+            </a:r>
+            <a:r>
+              <a:rPr lang="cs-CZ" sz="1000" dirty="0">
+                <a:latin typeface="Consolas" panose="020B0609020204030204" pitchFamily="49" charset="0"/>
+              </a:rPr>
+              <a:t> DESC -- CPU </a:t>
+            </a:r>
+            <a:r>
+              <a:rPr lang="cs-CZ" sz="1000" dirty="0" err="1">
+                <a:latin typeface="Consolas" panose="020B0609020204030204" pitchFamily="49" charset="0"/>
+              </a:rPr>
+              <a:t>time</a:t>
+            </a:r>
+            <a:r>
+              <a:rPr lang="cs-CZ" sz="1000" dirty="0">
+                <a:latin typeface="Consolas" panose="020B0609020204030204" pitchFamily="49" charset="0"/>
+              </a:rPr>
+              <a:t> (</a:t>
+            </a:r>
+            <a:r>
+              <a:rPr lang="cs-CZ" sz="1000" dirty="0" err="1">
+                <a:latin typeface="Consolas" panose="020B0609020204030204" pitchFamily="49" charset="0"/>
+              </a:rPr>
+              <a:t>active</a:t>
+            </a:r>
+            <a:r>
+              <a:rPr lang="cs-CZ" sz="1000" dirty="0">
+                <a:latin typeface="Consolas" panose="020B0609020204030204" pitchFamily="49" charset="0"/>
+              </a:rPr>
+              <a:t>)</a:t>
+            </a:r>
+          </a:p>
+          <a:p>
+            <a:r>
+              <a:rPr lang="cs-CZ" sz="1000" dirty="0">
+                <a:latin typeface="Consolas" panose="020B0609020204030204" pitchFamily="49" charset="0"/>
+              </a:rPr>
+              <a:t>    ORDER BY </a:t>
+            </a:r>
+            <a:r>
+              <a:rPr lang="cs-CZ" sz="1000" dirty="0" err="1">
+                <a:latin typeface="Consolas" panose="020B0609020204030204" pitchFamily="49" charset="0"/>
+              </a:rPr>
+              <a:t>qs.last_elapsed_time</a:t>
+            </a:r>
+            <a:r>
+              <a:rPr lang="cs-CZ" sz="1000" dirty="0">
+                <a:latin typeface="Consolas" panose="020B0609020204030204" pitchFamily="49" charset="0"/>
+              </a:rPr>
               <a:t> DESC -- </a:t>
             </a:r>
             <a:r>
               <a:rPr lang="cs-CZ" sz="1000" dirty="0" err="1">
                 <a:latin typeface="Consolas" panose="020B0609020204030204" pitchFamily="49" charset="0"/>
               </a:rPr>
-              <a:t>logical</a:t>
+              <a:t>clock</a:t>
             </a:r>
             <a:r>
               <a:rPr lang="cs-CZ" sz="1000" dirty="0">
@@ -7643,81 +7822,70 @@
               <a:rPr lang="cs-CZ" sz="1000" dirty="0" err="1">
                 <a:latin typeface="Consolas" panose="020B0609020204030204" pitchFamily="49" charset="0"/>
               </a:rPr>
-              <a:t>reads</a:t>
+              <a:t>time</a:t>
+            </a:r>
+            <a:r>
+              <a:rPr lang="cs-CZ" sz="1000" dirty="0">
+                <a:latin typeface="Consolas" panose="020B0609020204030204" pitchFamily="49" charset="0"/>
+              </a:rPr>
+              <a:t> (včetně čekání na </a:t>
+            </a:r>
+            <a:r>
+              <a:rPr lang="cs-CZ" sz="1000" dirty="0" err="1">
+                <a:latin typeface="Consolas" panose="020B0609020204030204" pitchFamily="49" charset="0"/>
+              </a:rPr>
+              <a:t>locky</a:t>
+            </a:r>
+            <a:r>
+              <a:rPr lang="cs-CZ" sz="1000" dirty="0">
+                <a:latin typeface="Consolas" panose="020B0609020204030204" pitchFamily="49" charset="0"/>
+              </a:rPr>
+              <a:t>, atp.)</a:t>
             </a:r>
             <a:endParaRPr lang="cs-CZ" sz="1000" dirty="0">
               <a:latin typeface="Consolas" panose="020B0609020204030204" pitchFamily="49" charset="0"/>
             </a:endParaRPr>
           </a:p>
-          <a:p>
-            <a:r>
-              <a:rPr lang="cs-CZ" sz="1000" dirty="0">
-                <a:latin typeface="Consolas" panose="020B0609020204030204" pitchFamily="49" charset="0"/>
-              </a:rPr>
-              <a:t>-- ORDER BY </a:t>
-            </a:r>
-            <a:r>
-              <a:rPr lang="cs-CZ" sz="1000" dirty="0" err="1">
-                <a:latin typeface="Consolas" panose="020B0609020204030204" pitchFamily="49" charset="0"/>
-              </a:rPr>
-              <a:t>qs.total_logical_writes</a:t>
-            </a:r>
-            <a:r>
-              <a:rPr lang="cs-CZ" sz="1000" dirty="0">
-                <a:latin typeface="Consolas" panose="020B0609020204030204" pitchFamily="49" charset="0"/>
-              </a:rPr>
-              <a:t> DESC -- </a:t>
-            </a:r>
-            <a:r>
-              <a:rPr lang="cs-CZ" sz="1000" dirty="0" err="1">
-                <a:latin typeface="Consolas" panose="020B0609020204030204" pitchFamily="49" charset="0"/>
-              </a:rPr>
-              <a:t>logical</a:t>
-            </a:r>
-            <a:r>
-              <a:rPr lang="cs-CZ" sz="1000" dirty="0">
-                <a:latin typeface="Consolas" panose="020B0609020204030204" pitchFamily="49" charset="0"/>
-              </a:rPr>
+        </p:txBody>
+      </p:sp>
+      <p:sp>
+        <p:nvSpPr>
+          <p:cNvPr id="3" name="Rectangle 2"/>
+          <p:cNvSpPr/>
+          <p:nvPr/>
+        </p:nvSpPr>
+        <p:spPr>
+          <a:xfrm>
+            <a:off x="4838008" y="3821777"/>
+            <a:ext cx="4572000" cy="923330"/>
+          </a:xfrm>
+          <a:prstGeom prst="rect">
+            <a:avLst/>
+          </a:prstGeom>
+        </p:spPr>
+        <p:txBody>
+          <a:bodyPr>
+            <a:spAutoFit/>
+          </a:bodyPr>
+          <a:lstStyle/>
+          <a:p>
+            <a:r>
+              <a:rPr lang="cs-CZ" dirty="0">
+                <a:hlinkClick r:id="rId3"/>
+              </a:rPr>
+              <a:t>http://</a:t>
+            </a:r>
+            <a:r>
+              <a:rPr lang="cs-CZ" dirty="0" smtClean="0">
+                <a:hlinkClick r:id="rId3"/>
+              </a:rPr>
+              <a:t>knowledge-base.havit.cz/2013/11/02/sql-dmv-most-expensive-queries-missing-indexes</a:t>
+            </a:r>
+            <a:r>
+              <a:rPr lang="cs-CZ" dirty="0" smtClean="0"/>
               <a:t> </a:t>
             </a:r>
-            <a:r>
-              <a:rPr lang="cs-CZ" sz="1000" dirty="0" err="1">
-                <a:latin typeface="Consolas" panose="020B0609020204030204" pitchFamily="49" charset="0"/>
-              </a:rPr>
-              <a:t>writes</a:t>
-            </a:r>
-            <a:endParaRPr lang="cs-CZ" sz="1000" dirty="0">
-              <a:latin typeface="Consolas" panose="020B0609020204030204" pitchFamily="49" charset="0"/>
-            </a:endParaRPr>
-          </a:p>
-          <a:p>
-            <a:r>
-              <a:rPr lang="cs-CZ" sz="1000" dirty="0">
-                <a:latin typeface="Consolas" panose="020B0609020204030204" pitchFamily="49" charset="0"/>
-              </a:rPr>
-              <a:t>-- ORDER BY </a:t>
-            </a:r>
-            <a:r>
-              <a:rPr lang="cs-CZ" sz="1000" dirty="0" err="1">
-                <a:latin typeface="Consolas" panose="020B0609020204030204" pitchFamily="49" charset="0"/>
-              </a:rPr>
-              <a:t>qs.total_worker_time</a:t>
-            </a:r>
-            <a:r>
-              <a:rPr lang="cs-CZ" sz="1000" dirty="0">
-                <a:latin typeface="Consolas" panose="020B0609020204030204" pitchFamily="49" charset="0"/>
-              </a:rPr>
-              <a:t> DESC -- CPU </a:t>
-            </a:r>
-            <a:r>
-              <a:rPr lang="cs-CZ" sz="1000" dirty="0" err="1">
-                <a:latin typeface="Consolas" panose="020B0609020204030204" pitchFamily="49" charset="0"/>
-              </a:rPr>
-              <a:t>time</a:t>
-            </a:r>
-            <a:endParaRPr lang="cs-CZ" sz="1000" dirty="0">
-              <a:latin typeface="Consolas" panose="020B0609020204030204" pitchFamily="49" charset="0"/>
-            </a:endParaRPr>
+            <a:endParaRPr lang="cs-CZ" dirty="0"/>
           </a:p>
         </p:txBody>
       </p:sp>
@@ -16000,10 +16168,6 @@
               </a:rPr>
               <a:t>Nepotřebujeme, aby EF ztrácel čas detekcí změn na množině dat</a:t>
             </a:r>
-            <a:endParaRPr lang="cs-CZ" sz="2000" dirty="0" smtClean="0">
-              <a:latin typeface="Segoe UI" panose="020B0502040204020203" pitchFamily="34" charset="0"/>
-              <a:cs typeface="Segoe UI" panose="020B0502040204020203" pitchFamily="34" charset="0"/>
-            </a:endParaRPr>
           </a:p>
         </p:txBody>
       </p:sp>
@@ -17038,10 +17202,6 @@
               </a:rPr>
               <a:t>Lze vypnout i na globální úrovni a dle potřeby zapnout</a:t>
             </a:r>
-            <a:endParaRPr lang="cs-CZ" sz="2000" dirty="0" smtClean="0">
-              <a:latin typeface="Segoe UI" panose="020B0502040204020203" pitchFamily="34" charset="0"/>
-              <a:cs typeface="Segoe UI" panose="020B0502040204020203" pitchFamily="34" charset="0"/>
-            </a:endParaRPr>
           </a:p>
         </p:txBody>
       </p:sp>
@@ -19451,10 +19611,6 @@
               </a:rPr>
               <a:t>Pokud máme vzdálený zdroj dat, raději volit EL</a:t>
             </a:r>
-            <a:endParaRPr lang="cs-CZ" sz="2400" dirty="0" smtClean="0">
-              <a:latin typeface="Segoe UI" panose="020B0502040204020203" pitchFamily="34" charset="0"/>
-              <a:cs typeface="Segoe UI" panose="020B0502040204020203" pitchFamily="34" charset="0"/>
-            </a:endParaRPr>
           </a:p>
         </p:txBody>
       </p:sp>

--- a/Doc/Prezentace-optimalizace.pptx
+++ b/Doc/Prezentace-optimalizace.pptx
@@ -7842,9 +7842,6 @@
               </a:rPr>
               <a:t>, atp.)</a:t>
             </a:r>
-            <a:endParaRPr lang="cs-CZ" sz="1000" dirty="0">
-              <a:latin typeface="Consolas" panose="020B0609020204030204" pitchFamily="49" charset="0"/>
-            </a:endParaRPr>
           </a:p>
         </p:txBody>
       </p:sp>
@@ -15581,7 +15578,7 @@
         <p:spPr>
           <a:xfrm>
             <a:off x="293105" y="4567333"/>
-            <a:ext cx="4088940" cy="830997"/>
+            <a:ext cx="6532879" cy="830997"/>
           </a:xfrm>
           <a:prstGeom prst="rect">
             <a:avLst/>
@@ -15630,6 +15627,20 @@
                 <a:cs typeface="Segoe UI" panose="020B0502040204020203" pitchFamily="34" charset="0"/>
               </a:rPr>
               <a:t>contextu</a:t>
+            </a:r>
+            <a:r>
+              <a:rPr lang="cs-CZ" sz="2000" dirty="0" smtClean="0">
+                <a:latin typeface="Segoe UI" panose="020B0502040204020203" pitchFamily="34" charset="0"/>
+                <a:cs typeface="Segoe UI" panose="020B0502040204020203" pitchFamily="34" charset="0"/>
+              </a:rPr>
+              <a:t> při práci s </a:t>
+            </a:r>
+            <a:r>
+              <a:rPr lang="cs-CZ" sz="2000" dirty="0" err="1" smtClean="0">
+                <a:latin typeface="Segoe UI" panose="020B0502040204020203" pitchFamily="34" charset="0"/>
+                <a:cs typeface="Segoe UI" panose="020B0502040204020203" pitchFamily="34" charset="0"/>
+              </a:rPr>
+              <a:t>EntityState</a:t>
             </a:r>
             <a:endParaRPr lang="cs-CZ" sz="2000" dirty="0" smtClean="0">
               <a:latin typeface="Consolas" panose="020B0609020204030204" pitchFamily="49" charset="0"/>
